--- a/尊貴之君.pptx
+++ b/尊貴之君.pptx
@@ -5,13 +5,17 @@
     <p:sldMasterId id="2147483660" r:id="rId1"/>
   </p:sldMasterIdLst>
   <p:sldIdLst>
-    <p:sldId id="256" r:id="rId2"/>
-    <p:sldId id="257" r:id="rId3"/>
-    <p:sldId id="258" r:id="rId4"/>
-    <p:sldId id="259" r:id="rId5"/>
-    <p:sldId id="260" r:id="rId6"/>
+    <p:sldId id="261" r:id="rId2"/>
+    <p:sldId id="262" r:id="rId3"/>
+    <p:sldId id="263" r:id="rId4"/>
+    <p:sldId id="264" r:id="rId5"/>
+    <p:sldId id="265" r:id="rId6"/>
+    <p:sldId id="266" r:id="rId7"/>
+    <p:sldId id="267" r:id="rId8"/>
+    <p:sldId id="268" r:id="rId9"/>
+    <p:sldId id="269" r:id="rId10"/>
   </p:sldIdLst>
-  <p:sldSz cx="9144000" cy="6858000" type="screen4x3"/>
+  <p:sldSz cx="12192000" cy="6858000"/>
   <p:notesSz cx="6858000" cy="9144000"/>
   <p:defaultTextStyle>
     <a:defPPr>
@@ -108,6 +112,22 @@
       </a:defRPr>
     </a:lvl9pPr>
   </p:defaultTextStyle>
+  <p:extLst>
+    <p:ext uri="{EFAFB233-063F-42B5-8137-9DF3F51BA10A}">
+      <p15:sldGuideLst xmlns:p15="http://schemas.microsoft.com/office/powerpoint/2012/main">
+        <p15:guide id="1" orient="horz" pos="2160" userDrawn="1">
+          <p15:clr>
+            <a:srgbClr val="A4A3A4"/>
+          </p15:clr>
+        </p15:guide>
+        <p15:guide id="2" pos="3840" userDrawn="1">
+          <p15:clr>
+            <a:srgbClr val="A4A3A4"/>
+          </p15:clr>
+        </p15:guide>
+      </p15:sldGuideLst>
+    </p:ext>
+  </p:extLst>
 </p:presentation>
 </file>
 
@@ -140,8 +160,8 @@
         </p:nvSpPr>
         <p:spPr>
           <a:xfrm>
-            <a:off x="685800" y="2130425"/>
-            <a:ext cx="7772400" cy="1470025"/>
+            <a:off x="914400" y="2130426"/>
+            <a:ext cx="10363200" cy="1470025"/>
           </a:xfrm>
         </p:spPr>
         <p:txBody>
@@ -168,8 +188,8 @@
         </p:nvSpPr>
         <p:spPr>
           <a:xfrm>
-            <a:off x="1371600" y="3886200"/>
-            <a:ext cx="6400800" cy="1752600"/>
+            <a:off x="1828800" y="3886200"/>
+            <a:ext cx="8534400" cy="1752600"/>
           </a:xfrm>
         </p:spPr>
         <p:txBody>
@@ -292,7 +312,7 @@
           <a:p>
             <a:fld id="{EDBF2AB4-39FD-4998-A22F-AA6F61075137}" type="datetimeFigureOut">
               <a:rPr lang="zh-TW" altLang="en-US" smtClean="0"/>
-              <a:t>2017/9/9</a:t>
+              <a:t>2021/5/14</a:t>
             </a:fld>
             <a:endParaRPr lang="zh-TW" altLang="en-US"/>
           </a:p>
@@ -457,7 +477,7 @@
           <a:p>
             <a:fld id="{EDBF2AB4-39FD-4998-A22F-AA6F61075137}" type="datetimeFigureOut">
               <a:rPr lang="zh-TW" altLang="en-US" smtClean="0"/>
-              <a:t>2017/9/9</a:t>
+              <a:t>2021/5/14</a:t>
             </a:fld>
             <a:endParaRPr lang="zh-TW" altLang="en-US"/>
           </a:p>
@@ -542,8 +562,8 @@
         </p:nvSpPr>
         <p:spPr>
           <a:xfrm>
-            <a:off x="6629400" y="274638"/>
-            <a:ext cx="2057400" cy="5851525"/>
+            <a:off x="8839200" y="274639"/>
+            <a:ext cx="2743200" cy="5851525"/>
           </a:xfrm>
         </p:spPr>
         <p:txBody>
@@ -570,8 +590,8 @@
         </p:nvSpPr>
         <p:spPr>
           <a:xfrm>
-            <a:off x="457200" y="274638"/>
-            <a:ext cx="6019800" cy="5851525"/>
+            <a:off x="609600" y="274639"/>
+            <a:ext cx="8026400" cy="5851525"/>
           </a:xfrm>
         </p:spPr>
         <p:txBody>
@@ -632,7 +652,7 @@
           <a:p>
             <a:fld id="{EDBF2AB4-39FD-4998-A22F-AA6F61075137}" type="datetimeFigureOut">
               <a:rPr lang="zh-TW" altLang="en-US" smtClean="0"/>
-              <a:t>2017/9/9</a:t>
+              <a:t>2021/5/14</a:t>
             </a:fld>
             <a:endParaRPr lang="zh-TW" altLang="en-US"/>
           </a:p>
@@ -797,7 +817,7 @@
           <a:p>
             <a:fld id="{EDBF2AB4-39FD-4998-A22F-AA6F61075137}" type="datetimeFigureOut">
               <a:rPr lang="zh-TW" altLang="en-US" smtClean="0"/>
-              <a:t>2017/9/9</a:t>
+              <a:t>2021/5/14</a:t>
             </a:fld>
             <a:endParaRPr lang="zh-TW" altLang="en-US"/>
           </a:p>
@@ -882,8 +902,8 @@
         </p:nvSpPr>
         <p:spPr>
           <a:xfrm>
-            <a:off x="722313" y="4406900"/>
-            <a:ext cx="7772400" cy="1362075"/>
+            <a:off x="963084" y="4406901"/>
+            <a:ext cx="10363200" cy="1362075"/>
           </a:xfrm>
         </p:spPr>
         <p:txBody>
@@ -914,8 +934,8 @@
         </p:nvSpPr>
         <p:spPr>
           <a:xfrm>
-            <a:off x="722313" y="2906713"/>
-            <a:ext cx="7772400" cy="1500187"/>
+            <a:off x="963084" y="2906713"/>
+            <a:ext cx="10363200" cy="1500187"/>
           </a:xfrm>
         </p:spPr>
         <p:txBody>
@@ -1038,7 +1058,7 @@
           <a:p>
             <a:fld id="{EDBF2AB4-39FD-4998-A22F-AA6F61075137}" type="datetimeFigureOut">
               <a:rPr lang="zh-TW" altLang="en-US" smtClean="0"/>
-              <a:t>2017/9/9</a:t>
+              <a:t>2021/5/14</a:t>
             </a:fld>
             <a:endParaRPr lang="zh-TW" altLang="en-US"/>
           </a:p>
@@ -1146,8 +1166,8 @@
         </p:nvSpPr>
         <p:spPr>
           <a:xfrm>
-            <a:off x="457200" y="1600200"/>
-            <a:ext cx="4038600" cy="4525963"/>
+            <a:off x="609600" y="1600201"/>
+            <a:ext cx="5384800" cy="4525963"/>
           </a:xfrm>
         </p:spPr>
         <p:txBody>
@@ -1231,8 +1251,8 @@
         </p:nvSpPr>
         <p:spPr>
           <a:xfrm>
-            <a:off x="4648200" y="1600200"/>
-            <a:ext cx="4038600" cy="4525963"/>
+            <a:off x="6197600" y="1600201"/>
+            <a:ext cx="5384800" cy="4525963"/>
           </a:xfrm>
         </p:spPr>
         <p:txBody>
@@ -1321,7 +1341,7 @@
           <a:p>
             <a:fld id="{EDBF2AB4-39FD-4998-A22F-AA6F61075137}" type="datetimeFigureOut">
               <a:rPr lang="zh-TW" altLang="en-US" smtClean="0"/>
-              <a:t>2017/9/9</a:t>
+              <a:t>2021/5/14</a:t>
             </a:fld>
             <a:endParaRPr lang="zh-TW" altLang="en-US"/>
           </a:p>
@@ -1433,8 +1453,8 @@
         </p:nvSpPr>
         <p:spPr>
           <a:xfrm>
-            <a:off x="457200" y="1535113"/>
-            <a:ext cx="4040188" cy="639762"/>
+            <a:off x="609600" y="1535113"/>
+            <a:ext cx="5386917" cy="639762"/>
           </a:xfrm>
         </p:spPr>
         <p:txBody>
@@ -1498,8 +1518,8 @@
         </p:nvSpPr>
         <p:spPr>
           <a:xfrm>
-            <a:off x="457200" y="2174875"/>
-            <a:ext cx="4040188" cy="3951288"/>
+            <a:off x="609600" y="2174875"/>
+            <a:ext cx="5386917" cy="3951288"/>
           </a:xfrm>
         </p:spPr>
         <p:txBody>
@@ -1583,8 +1603,8 @@
         </p:nvSpPr>
         <p:spPr>
           <a:xfrm>
-            <a:off x="4645025" y="1535113"/>
-            <a:ext cx="4041775" cy="639762"/>
+            <a:off x="6193368" y="1535113"/>
+            <a:ext cx="5389033" cy="639762"/>
           </a:xfrm>
         </p:spPr>
         <p:txBody>
@@ -1648,8 +1668,8 @@
         </p:nvSpPr>
         <p:spPr>
           <a:xfrm>
-            <a:off x="4645025" y="2174875"/>
-            <a:ext cx="4041775" cy="3951288"/>
+            <a:off x="6193368" y="2174875"/>
+            <a:ext cx="5389033" cy="3951288"/>
           </a:xfrm>
         </p:spPr>
         <p:txBody>
@@ -1738,7 +1758,7 @@
           <a:p>
             <a:fld id="{EDBF2AB4-39FD-4998-A22F-AA6F61075137}" type="datetimeFigureOut">
               <a:rPr lang="zh-TW" altLang="en-US" smtClean="0"/>
-              <a:t>2017/9/9</a:t>
+              <a:t>2021/5/14</a:t>
             </a:fld>
             <a:endParaRPr lang="zh-TW" altLang="en-US"/>
           </a:p>
@@ -1851,7 +1871,7 @@
           <a:p>
             <a:fld id="{EDBF2AB4-39FD-4998-A22F-AA6F61075137}" type="datetimeFigureOut">
               <a:rPr lang="zh-TW" altLang="en-US" smtClean="0"/>
-              <a:t>2017/9/9</a:t>
+              <a:t>2021/5/14</a:t>
             </a:fld>
             <a:endParaRPr lang="zh-TW" altLang="en-US"/>
           </a:p>
@@ -1941,7 +1961,7 @@
           <a:p>
             <a:fld id="{EDBF2AB4-39FD-4998-A22F-AA6F61075137}" type="datetimeFigureOut">
               <a:rPr lang="zh-TW" altLang="en-US" smtClean="0"/>
-              <a:t>2017/9/9</a:t>
+              <a:t>2021/5/14</a:t>
             </a:fld>
             <a:endParaRPr lang="zh-TW" altLang="en-US"/>
           </a:p>
@@ -2026,8 +2046,8 @@
         </p:nvSpPr>
         <p:spPr>
           <a:xfrm>
-            <a:off x="457200" y="273050"/>
-            <a:ext cx="3008313" cy="1162050"/>
+            <a:off x="609601" y="273050"/>
+            <a:ext cx="4011084" cy="1162050"/>
           </a:xfrm>
         </p:spPr>
         <p:txBody>
@@ -2058,8 +2078,8 @@
         </p:nvSpPr>
         <p:spPr>
           <a:xfrm>
-            <a:off x="3575050" y="273050"/>
-            <a:ext cx="5111750" cy="5853113"/>
+            <a:off x="4766733" y="273051"/>
+            <a:ext cx="6815667" cy="5853113"/>
           </a:xfrm>
         </p:spPr>
         <p:txBody>
@@ -2143,8 +2163,8 @@
         </p:nvSpPr>
         <p:spPr>
           <a:xfrm>
-            <a:off x="457200" y="1435100"/>
-            <a:ext cx="3008313" cy="4691063"/>
+            <a:off x="609601" y="1435101"/>
+            <a:ext cx="4011084" cy="4691063"/>
           </a:xfrm>
         </p:spPr>
         <p:txBody>
@@ -2213,7 +2233,7 @@
           <a:p>
             <a:fld id="{EDBF2AB4-39FD-4998-A22F-AA6F61075137}" type="datetimeFigureOut">
               <a:rPr lang="zh-TW" altLang="en-US" smtClean="0"/>
-              <a:t>2017/9/9</a:t>
+              <a:t>2021/5/14</a:t>
             </a:fld>
             <a:endParaRPr lang="zh-TW" altLang="en-US"/>
           </a:p>
@@ -2298,8 +2318,8 @@
         </p:nvSpPr>
         <p:spPr>
           <a:xfrm>
-            <a:off x="1792288" y="4800600"/>
-            <a:ext cx="5486400" cy="566738"/>
+            <a:off x="2389717" y="4800600"/>
+            <a:ext cx="7315200" cy="566738"/>
           </a:xfrm>
         </p:spPr>
         <p:txBody>
@@ -2330,8 +2350,8 @@
         </p:nvSpPr>
         <p:spPr>
           <a:xfrm>
-            <a:off x="1792288" y="612775"/>
-            <a:ext cx="5486400" cy="4114800"/>
+            <a:off x="2389717" y="612775"/>
+            <a:ext cx="7315200" cy="4114800"/>
           </a:xfrm>
         </p:spPr>
         <p:txBody>
@@ -2395,8 +2415,8 @@
         </p:nvSpPr>
         <p:spPr>
           <a:xfrm>
-            <a:off x="1792288" y="5367338"/>
-            <a:ext cx="5486400" cy="804862"/>
+            <a:off x="2389717" y="5367338"/>
+            <a:ext cx="7315200" cy="804862"/>
           </a:xfrm>
         </p:spPr>
         <p:txBody>
@@ -2465,7 +2485,7 @@
           <a:p>
             <a:fld id="{EDBF2AB4-39FD-4998-A22F-AA6F61075137}" type="datetimeFigureOut">
               <a:rPr lang="zh-TW" altLang="en-US" smtClean="0"/>
-              <a:t>2017/9/9</a:t>
+              <a:t>2021/5/14</a:t>
             </a:fld>
             <a:endParaRPr lang="zh-TW" altLang="en-US"/>
           </a:p>
@@ -2560,8 +2580,8 @@
         </p:nvSpPr>
         <p:spPr>
           <a:xfrm>
-            <a:off x="457200" y="274638"/>
-            <a:ext cx="8229600" cy="1143000"/>
+            <a:off x="609600" y="274638"/>
+            <a:ext cx="10972800" cy="1143000"/>
           </a:xfrm>
           <a:prstGeom prst="rect">
             <a:avLst/>
@@ -2593,8 +2613,8 @@
         </p:nvSpPr>
         <p:spPr>
           <a:xfrm>
-            <a:off x="457200" y="1600200"/>
-            <a:ext cx="8229600" cy="4525963"/>
+            <a:off x="609600" y="1600201"/>
+            <a:ext cx="10972800" cy="4525963"/>
           </a:xfrm>
           <a:prstGeom prst="rect">
             <a:avLst/>
@@ -2655,8 +2675,8 @@
         </p:nvSpPr>
         <p:spPr>
           <a:xfrm>
-            <a:off x="457200" y="6356350"/>
-            <a:ext cx="2133600" cy="365125"/>
+            <a:off x="609600" y="6356351"/>
+            <a:ext cx="2844800" cy="365125"/>
           </a:xfrm>
           <a:prstGeom prst="rect">
             <a:avLst/>
@@ -2678,7 +2698,7 @@
           <a:p>
             <a:fld id="{EDBF2AB4-39FD-4998-A22F-AA6F61075137}" type="datetimeFigureOut">
               <a:rPr lang="zh-TW" altLang="en-US" smtClean="0"/>
-              <a:t>2017/9/9</a:t>
+              <a:t>2021/5/14</a:t>
             </a:fld>
             <a:endParaRPr lang="zh-TW" altLang="en-US"/>
           </a:p>
@@ -2696,8 +2716,8 @@
         </p:nvSpPr>
         <p:spPr>
           <a:xfrm>
-            <a:off x="3124200" y="6356350"/>
-            <a:ext cx="2895600" cy="365125"/>
+            <a:off x="4165600" y="6356351"/>
+            <a:ext cx="3860800" cy="365125"/>
           </a:xfrm>
           <a:prstGeom prst="rect">
             <a:avLst/>
@@ -2733,8 +2753,8 @@
         </p:nvSpPr>
         <p:spPr>
           <a:xfrm>
-            <a:off x="6553200" y="6356350"/>
-            <a:ext cx="2133600" cy="365125"/>
+            <a:off x="8737600" y="6356351"/>
+            <a:ext cx="2844800" cy="365125"/>
           </a:xfrm>
           <a:prstGeom prst="rect">
             <a:avLst/>
@@ -3058,208 +3078,75 @@
             <p:ph type="title"/>
           </p:nvPr>
         </p:nvSpPr>
-        <p:spPr/>
-        <p:txBody>
-          <a:bodyPr/>
-          <a:lstStyle/>
-          <a:p>
-            <a:r>
-              <a:rPr lang="zh-CN" altLang="en-US" b="1" dirty="0" smtClean="0">
-                <a:solidFill>
-                  <a:srgbClr val="000066"/>
-                </a:solidFill>
+        <p:spPr>
+          <a:xfrm>
+            <a:off x="0" y="2660915"/>
+            <a:ext cx="12192000" cy="1143000"/>
+          </a:xfrm>
+        </p:spPr>
+        <p:txBody>
+          <a:bodyPr>
+            <a:noAutofit/>
+          </a:bodyPr>
+          <a:lstStyle/>
+          <a:p>
+            <a:r>
+              <a:rPr lang="zh-CN" altLang="en-US" sz="7200" b="1" i="1" dirty="0">
+                <a:solidFill>
+                  <a:srgbClr val="660033"/>
+                </a:solidFill>
+                <a:effectLst>
+                  <a:outerShdw blurRad="38100" dist="38100" dir="2700000" algn="tl">
+                    <a:srgbClr val="000000">
+                      <a:alpha val="43137"/>
+                    </a:srgbClr>
+                  </a:outerShdw>
+                </a:effectLst>
                 <a:latin typeface="微軟正黑體" pitchFamily="34" charset="-120"/>
                 <a:ea typeface="微軟正黑體" pitchFamily="34" charset="-120"/>
               </a:rPr>
-              <a:t>尊貴之君</a:t>
-            </a:r>
-            <a:endParaRPr lang="zh-TW" altLang="en-US" b="1" dirty="0">
+              <a:t>尊</a:t>
+            </a:r>
+            <a:r>
+              <a:rPr lang="zh-CN" altLang="en-US" sz="7200" b="1" i="1" dirty="0">
+                <a:solidFill>
+                  <a:srgbClr val="660033"/>
+                </a:solidFill>
+                <a:effectLst>
+                  <a:outerShdw blurRad="38100" dist="38100" dir="2700000" algn="tl">
+                    <a:srgbClr val="000000">
+                      <a:alpha val="43137"/>
+                    </a:srgbClr>
+                  </a:outerShdw>
+                </a:effectLst>
+                <a:latin typeface="微軟正黑體" pitchFamily="34" charset="-120"/>
+                <a:ea typeface="微軟正黑體" pitchFamily="34" charset="-120"/>
+              </a:rPr>
+              <a:t>貴之君</a:t>
+            </a:r>
+            <a:endParaRPr lang="zh-TW" altLang="en-US" sz="7200" b="1" i="1" dirty="0">
               <a:solidFill>
-                <a:srgbClr val="000066"/>
+                <a:srgbClr val="660033"/>
               </a:solidFill>
+              <a:effectLst>
+                <a:outerShdw blurRad="38100" dist="38100" dir="2700000" algn="tl">
+                  <a:srgbClr val="000000">
+                    <a:alpha val="43137"/>
+                  </a:srgbClr>
+                </a:outerShdw>
+              </a:effectLst>
               <a:latin typeface="微軟正黑體" pitchFamily="34" charset="-120"/>
               <a:ea typeface="微軟正黑體" pitchFamily="34" charset="-120"/>
             </a:endParaRPr>
           </a:p>
         </p:txBody>
       </p:sp>
-      <p:sp>
-        <p:nvSpPr>
-          <p:cNvPr id="5" name="內容版面配置區 4"/>
-          <p:cNvSpPr>
-            <a:spLocks noGrp="1"/>
-          </p:cNvSpPr>
-          <p:nvPr>
-            <p:ph idx="1"/>
-          </p:nvPr>
-        </p:nvSpPr>
-        <p:spPr/>
-        <p:txBody>
-          <a:bodyPr>
-            <a:normAutofit/>
-          </a:bodyPr>
-          <a:lstStyle/>
-          <a:p>
-            <a:pPr algn="ctr">
-              <a:buNone/>
-            </a:pPr>
-            <a:r>
-              <a:rPr lang="zh-TW" altLang="en-US" sz="5400" b="1" dirty="0" smtClean="0">
-                <a:solidFill>
-                  <a:srgbClr val="000066"/>
-                </a:solidFill>
-                <a:latin typeface="微軟正黑體" pitchFamily="34" charset="-120"/>
-                <a:ea typeface="微軟正黑體" pitchFamily="34" charset="-120"/>
-              </a:rPr>
-              <a:t>你  居</a:t>
-            </a:r>
-            <a:r>
-              <a:rPr lang="zh-TW" altLang="en-US" sz="5400" b="1" dirty="0" smtClean="0">
-                <a:solidFill>
-                  <a:srgbClr val="000066"/>
-                </a:solidFill>
-                <a:latin typeface="微軟正黑體" pitchFamily="34" charset="-120"/>
-                <a:ea typeface="微軟正黑體" pitchFamily="34" charset="-120"/>
-              </a:rPr>
-              <a:t>於至高國度</a:t>
-            </a:r>
-            <a:r>
-              <a:rPr lang="zh-TW" altLang="en-US" sz="5400" b="1" dirty="0" smtClean="0">
-                <a:solidFill>
-                  <a:srgbClr val="000066"/>
-                </a:solidFill>
-                <a:latin typeface="微軟正黑體" pitchFamily="34" charset="-120"/>
-                <a:ea typeface="微軟正黑體" pitchFamily="34" charset="-120"/>
-              </a:rPr>
-              <a:t>裡</a:t>
-            </a:r>
-            <a:endParaRPr lang="en-US" altLang="zh-TW" sz="5400" b="1" dirty="0" smtClean="0">
-              <a:solidFill>
-                <a:srgbClr val="000066"/>
-              </a:solidFill>
-              <a:latin typeface="微軟正黑體" pitchFamily="34" charset="-120"/>
-              <a:ea typeface="微軟正黑體" pitchFamily="34" charset="-120"/>
-            </a:endParaRPr>
-          </a:p>
-          <a:p>
-            <a:pPr algn="ctr">
-              <a:buNone/>
-            </a:pPr>
-            <a:r>
-              <a:rPr lang="zh-TW" altLang="en-US" sz="5400" b="1" dirty="0" smtClean="0">
-                <a:solidFill>
-                  <a:srgbClr val="000066"/>
-                </a:solidFill>
-                <a:latin typeface="微軟正黑體" pitchFamily="34" charset="-120"/>
-                <a:ea typeface="微軟正黑體" pitchFamily="34" charset="-120"/>
-              </a:rPr>
-              <a:t>君</a:t>
-            </a:r>
-            <a:r>
-              <a:rPr lang="zh-TW" altLang="en-US" sz="5400" b="1" dirty="0" smtClean="0">
-                <a:solidFill>
-                  <a:srgbClr val="000066"/>
-                </a:solidFill>
-                <a:latin typeface="微軟正黑體" pitchFamily="34" charset="-120"/>
-                <a:ea typeface="微軟正黑體" pitchFamily="34" charset="-120"/>
-              </a:rPr>
-              <a:t>尊放下變成</a:t>
-            </a:r>
-            <a:r>
-              <a:rPr lang="zh-TW" altLang="en-US" sz="5400" b="1" dirty="0" smtClean="0">
-                <a:solidFill>
-                  <a:srgbClr val="000066"/>
-                </a:solidFill>
-                <a:latin typeface="微軟正黑體" pitchFamily="34" charset="-120"/>
-                <a:ea typeface="微軟正黑體" pitchFamily="34" charset="-120"/>
-              </a:rPr>
-              <a:t>僕人</a:t>
-            </a:r>
-            <a:endParaRPr lang="en-US" altLang="zh-TW" sz="5400" b="1" dirty="0" smtClean="0">
-              <a:solidFill>
-                <a:srgbClr val="000066"/>
-              </a:solidFill>
-              <a:latin typeface="微軟正黑體" pitchFamily="34" charset="-120"/>
-              <a:ea typeface="微軟正黑體" pitchFamily="34" charset="-120"/>
-            </a:endParaRPr>
-          </a:p>
-          <a:p>
-            <a:pPr algn="ctr">
-              <a:buNone/>
-            </a:pPr>
-            <a:r>
-              <a:rPr lang="zh-TW" altLang="en-US" sz="5400" b="1" dirty="0" smtClean="0">
-                <a:solidFill>
-                  <a:srgbClr val="000066"/>
-                </a:solidFill>
-                <a:latin typeface="微軟正黑體" pitchFamily="34" charset="-120"/>
-                <a:ea typeface="微軟正黑體" pitchFamily="34" charset="-120"/>
-              </a:rPr>
-              <a:t>道</a:t>
-            </a:r>
-            <a:r>
-              <a:rPr lang="zh-TW" altLang="en-US" sz="5400" b="1" dirty="0" smtClean="0">
-                <a:solidFill>
-                  <a:srgbClr val="000066"/>
-                </a:solidFill>
-                <a:latin typeface="微軟正黑體" pitchFamily="34" charset="-120"/>
-                <a:ea typeface="微軟正黑體" pitchFamily="34" charset="-120"/>
-              </a:rPr>
-              <a:t>降下</a:t>
-            </a:r>
-            <a:r>
-              <a:rPr lang="zh-TW" altLang="en-US" sz="5400" b="1" dirty="0" smtClean="0">
-                <a:solidFill>
-                  <a:srgbClr val="000066"/>
-                </a:solidFill>
-                <a:latin typeface="微軟正黑體" pitchFamily="34" charset="-120"/>
-                <a:ea typeface="微軟正黑體" pitchFamily="34" charset="-120"/>
-              </a:rPr>
-              <a:t>世間</a:t>
-            </a:r>
-            <a:endParaRPr lang="en-US" altLang="zh-TW" sz="5400" b="1" dirty="0" smtClean="0">
-              <a:solidFill>
-                <a:srgbClr val="000066"/>
-              </a:solidFill>
-              <a:latin typeface="微軟正黑體" pitchFamily="34" charset="-120"/>
-              <a:ea typeface="微軟正黑體" pitchFamily="34" charset="-120"/>
-            </a:endParaRPr>
-          </a:p>
-          <a:p>
-            <a:pPr algn="ctr">
-              <a:buNone/>
-            </a:pPr>
-            <a:r>
-              <a:rPr lang="zh-TW" altLang="en-US" sz="5400" b="1" dirty="0" smtClean="0">
-                <a:solidFill>
-                  <a:srgbClr val="000066"/>
-                </a:solidFill>
-                <a:latin typeface="微軟正黑體" pitchFamily="34" charset="-120"/>
-                <a:ea typeface="微軟正黑體" pitchFamily="34" charset="-120"/>
-              </a:rPr>
-              <a:t>寧願</a:t>
-            </a:r>
-            <a:r>
-              <a:rPr lang="zh-TW" altLang="en-US" sz="5400" b="1" dirty="0" smtClean="0">
-                <a:solidFill>
-                  <a:srgbClr val="000066"/>
-                </a:solidFill>
-                <a:latin typeface="微軟正黑體" pitchFamily="34" charset="-120"/>
-                <a:ea typeface="微軟正黑體" pitchFamily="34" charset="-120"/>
-              </a:rPr>
-              <a:t>降服十架捨身</a:t>
-            </a:r>
-            <a:endParaRPr lang="zh-TW" altLang="en-US" sz="5400" b="1" dirty="0">
-              <a:solidFill>
-                <a:srgbClr val="000066"/>
-              </a:solidFill>
-              <a:latin typeface="微軟正黑體" pitchFamily="34" charset="-120"/>
-              <a:ea typeface="微軟正黑體" pitchFamily="34" charset="-120"/>
-            </a:endParaRPr>
-          </a:p>
-        </p:txBody>
-      </p:sp>
     </p:spTree>
+    <p:extLst>
+      <p:ext uri="{BB962C8B-B14F-4D97-AF65-F5344CB8AC3E}">
+        <p14:creationId xmlns:p14="http://schemas.microsoft.com/office/powerpoint/2010/main" val="3421635183"/>
+      </p:ext>
+    </p:extLst>
   </p:cSld>
   <p:clrMapOvr>
     <a:masterClrMapping/>
@@ -3286,164 +3173,87 @@
       </p:grpSpPr>
       <p:sp>
         <p:nvSpPr>
-          <p:cNvPr id="4" name="標題 3"/>
-          <p:cNvSpPr>
-            <a:spLocks noGrp="1"/>
-          </p:cNvSpPr>
-          <p:nvPr>
-            <p:ph type="title"/>
-          </p:nvPr>
-        </p:nvSpPr>
-        <p:spPr/>
-        <p:txBody>
-          <a:bodyPr/>
-          <a:lstStyle/>
-          <a:p>
-            <a:r>
-              <a:rPr lang="zh-CN" altLang="en-US" b="1" dirty="0" smtClean="0">
-                <a:solidFill>
-                  <a:srgbClr val="000066"/>
+          <p:cNvPr id="5" name="內容版面配置區 4"/>
+          <p:cNvSpPr>
+            <a:spLocks noGrp="1"/>
+          </p:cNvSpPr>
+          <p:nvPr>
+            <p:ph idx="1"/>
+          </p:nvPr>
+        </p:nvSpPr>
+        <p:spPr>
+          <a:xfrm>
+            <a:off x="0" y="2084851"/>
+            <a:ext cx="12192000" cy="2404863"/>
+          </a:xfrm>
+        </p:spPr>
+        <p:txBody>
+          <a:bodyPr anchor="ctr">
+            <a:normAutofit/>
+          </a:bodyPr>
+          <a:lstStyle/>
+          <a:p>
+            <a:pPr algn="ctr">
+              <a:buNone/>
+            </a:pPr>
+            <a:r>
+              <a:rPr lang="zh-CN" altLang="en-US" sz="6400" b="1" dirty="0">
+                <a:solidFill>
+                  <a:srgbClr val="660033"/>
                 </a:solidFill>
                 <a:latin typeface="微軟正黑體" pitchFamily="34" charset="-120"/>
                 <a:ea typeface="微軟正黑體" pitchFamily="34" charset="-120"/>
               </a:rPr>
-              <a:t>尊貴之君</a:t>
-            </a:r>
-            <a:endParaRPr lang="zh-TW" altLang="en-US" b="1" dirty="0">
+              <a:t>袮</a:t>
+            </a:r>
+            <a:r>
+              <a:rPr lang="zh-TW" altLang="en-US" sz="6400" b="1" dirty="0">
+                <a:solidFill>
+                  <a:srgbClr val="660033"/>
+                </a:solidFill>
+                <a:latin typeface="微軟正黑體" pitchFamily="34" charset="-120"/>
+                <a:ea typeface="微軟正黑體" pitchFamily="34" charset="-120"/>
+              </a:rPr>
+              <a:t>  居於至高國度裡</a:t>
+            </a:r>
+            <a:endParaRPr lang="en-US" altLang="zh-TW" sz="6400" b="1" dirty="0">
               <a:solidFill>
-                <a:srgbClr val="000066"/>
+                <a:srgbClr val="660033"/>
               </a:solidFill>
               <a:latin typeface="微軟正黑體" pitchFamily="34" charset="-120"/>
               <a:ea typeface="微軟正黑體" pitchFamily="34" charset="-120"/>
             </a:endParaRPr>
           </a:p>
-        </p:txBody>
-      </p:sp>
-      <p:sp>
-        <p:nvSpPr>
-          <p:cNvPr id="5" name="內容版面配置區 4"/>
-          <p:cNvSpPr>
-            <a:spLocks noGrp="1"/>
-          </p:cNvSpPr>
-          <p:nvPr>
-            <p:ph idx="1"/>
-          </p:nvPr>
-        </p:nvSpPr>
-        <p:spPr/>
-        <p:txBody>
-          <a:bodyPr>
-            <a:normAutofit/>
-          </a:bodyPr>
-          <a:lstStyle/>
           <a:p>
             <a:pPr algn="ctr">
               <a:buNone/>
             </a:pPr>
             <a:r>
-              <a:rPr lang="zh-TW" altLang="en-US" sz="5400" b="1" dirty="0" smtClean="0">
-                <a:solidFill>
-                  <a:srgbClr val="000066"/>
+              <a:rPr lang="zh-TW" altLang="en-US" sz="6400" b="1" dirty="0">
+                <a:solidFill>
+                  <a:srgbClr val="660033"/>
                 </a:solidFill>
                 <a:latin typeface="微軟正黑體" pitchFamily="34" charset="-120"/>
                 <a:ea typeface="微軟正黑體" pitchFamily="34" charset="-120"/>
               </a:rPr>
-              <a:t>得勝罪惡的</a:t>
-            </a:r>
-            <a:r>
-              <a:rPr lang="zh-TW" altLang="en-US" sz="5400" b="1" dirty="0" smtClean="0">
-                <a:solidFill>
-                  <a:srgbClr val="000066"/>
-                </a:solidFill>
-                <a:latin typeface="微軟正黑體" pitchFamily="34" charset="-120"/>
-                <a:ea typeface="微軟正黑體" pitchFamily="34" charset="-120"/>
-              </a:rPr>
-              <a:t>拘禁</a:t>
-            </a:r>
-            <a:endParaRPr lang="en-US" altLang="zh-TW" sz="5400" b="1" dirty="0" smtClean="0">
+              <a:t>君尊放下變成僕人</a:t>
+            </a:r>
+            <a:endParaRPr lang="en-US" altLang="zh-TW" sz="6400" b="1" dirty="0">
               <a:solidFill>
-                <a:srgbClr val="000066"/>
+                <a:srgbClr val="660033"/>
               </a:solidFill>
               <a:latin typeface="微軟正黑體" pitchFamily="34" charset="-120"/>
               <a:ea typeface="微軟正黑體" pitchFamily="34" charset="-120"/>
             </a:endParaRPr>
           </a:p>
-          <a:p>
-            <a:pPr algn="ctr">
-              <a:buNone/>
-            </a:pPr>
-            <a:r>
-              <a:rPr lang="zh-TW" altLang="en-US" sz="5400" b="1" dirty="0" smtClean="0">
-                <a:solidFill>
-                  <a:srgbClr val="000066"/>
-                </a:solidFill>
-                <a:latin typeface="微軟正黑體" pitchFamily="34" charset="-120"/>
-                <a:ea typeface="微軟正黑體" pitchFamily="34" charset="-120"/>
-              </a:rPr>
-              <a:t>一切</a:t>
-            </a:r>
-            <a:r>
-              <a:rPr lang="zh-TW" altLang="en-US" sz="5400" b="1" dirty="0" smtClean="0">
-                <a:solidFill>
-                  <a:srgbClr val="000066"/>
-                </a:solidFill>
-                <a:latin typeface="微軟正黑體" pitchFamily="34" charset="-120"/>
-                <a:ea typeface="微軟正黑體" pitchFamily="34" charset="-120"/>
-              </a:rPr>
-              <a:t>為拯救</a:t>
-            </a:r>
-            <a:r>
-              <a:rPr lang="zh-TW" altLang="en-US" sz="5400" b="1" dirty="0" smtClean="0">
-                <a:solidFill>
-                  <a:srgbClr val="000066"/>
-                </a:solidFill>
-                <a:latin typeface="微軟正黑體" pitchFamily="34" charset="-120"/>
-                <a:ea typeface="微軟正黑體" pitchFamily="34" charset="-120"/>
-              </a:rPr>
-              <a:t>世人</a:t>
-            </a:r>
-            <a:endParaRPr lang="en-US" altLang="zh-TW" sz="5400" b="1" dirty="0" smtClean="0">
-              <a:solidFill>
-                <a:srgbClr val="000066"/>
-              </a:solidFill>
-              <a:latin typeface="微軟正黑體" pitchFamily="34" charset="-120"/>
-              <a:ea typeface="微軟正黑體" pitchFamily="34" charset="-120"/>
-            </a:endParaRPr>
-          </a:p>
-          <a:p>
-            <a:pPr algn="ctr">
-              <a:buNone/>
-            </a:pPr>
-            <a:r>
-              <a:rPr lang="zh-TW" altLang="en-US" sz="5400" b="1" dirty="0" smtClean="0">
-                <a:solidFill>
-                  <a:srgbClr val="000066"/>
-                </a:solidFill>
-                <a:latin typeface="微軟正黑體" pitchFamily="34" charset="-120"/>
-                <a:ea typeface="微軟正黑體" pitchFamily="34" charset="-120"/>
-              </a:rPr>
-              <a:t>成就</a:t>
-            </a:r>
-            <a:r>
-              <a:rPr lang="zh-TW" altLang="en-US" sz="5400" b="1" dirty="0" smtClean="0">
-                <a:solidFill>
-                  <a:srgbClr val="000066"/>
-                </a:solidFill>
-                <a:latin typeface="微軟正黑體" pitchFamily="34" charset="-120"/>
-                <a:ea typeface="微軟正黑體" pitchFamily="34" charset="-120"/>
-              </a:rPr>
-              <a:t>偉大救恩</a:t>
-            </a:r>
-            <a:endParaRPr lang="zh-TW" altLang="en-US" sz="5400" b="1" dirty="0">
-              <a:solidFill>
-                <a:srgbClr val="000066"/>
-              </a:solidFill>
-              <a:latin typeface="微軟正黑體" pitchFamily="34" charset="-120"/>
-              <a:ea typeface="微軟正黑體" pitchFamily="34" charset="-120"/>
-            </a:endParaRPr>
-          </a:p>
         </p:txBody>
       </p:sp>
     </p:spTree>
+    <p:extLst>
+      <p:ext uri="{BB962C8B-B14F-4D97-AF65-F5344CB8AC3E}">
+        <p14:creationId xmlns:p14="http://schemas.microsoft.com/office/powerpoint/2010/main" val="3659678026"/>
+      </p:ext>
+    </p:extLst>
   </p:cSld>
   <p:clrMapOvr>
     <a:masterClrMapping/>
@@ -3470,206 +3280,77 @@
       </p:grpSpPr>
       <p:sp>
         <p:nvSpPr>
-          <p:cNvPr id="4" name="標題 3"/>
-          <p:cNvSpPr>
-            <a:spLocks noGrp="1"/>
-          </p:cNvSpPr>
-          <p:nvPr>
-            <p:ph type="title"/>
-          </p:nvPr>
-        </p:nvSpPr>
-        <p:spPr/>
-        <p:txBody>
-          <a:bodyPr/>
-          <a:lstStyle/>
-          <a:p>
-            <a:r>
-              <a:rPr lang="zh-CN" altLang="en-US" b="1" dirty="0" smtClean="0">
-                <a:solidFill>
-                  <a:srgbClr val="000066"/>
+          <p:cNvPr id="5" name="內容版面配置區 4"/>
+          <p:cNvSpPr>
+            <a:spLocks noGrp="1"/>
+          </p:cNvSpPr>
+          <p:nvPr>
+            <p:ph idx="1"/>
+          </p:nvPr>
+        </p:nvSpPr>
+        <p:spPr>
+          <a:xfrm>
+            <a:off x="0" y="2084851"/>
+            <a:ext cx="12192000" cy="2404863"/>
+          </a:xfrm>
+        </p:spPr>
+        <p:txBody>
+          <a:bodyPr anchor="ctr">
+            <a:normAutofit/>
+          </a:bodyPr>
+          <a:lstStyle/>
+          <a:p>
+            <a:pPr algn="ctr">
+              <a:buNone/>
+            </a:pPr>
+            <a:r>
+              <a:rPr lang="zh-TW" altLang="en-US" sz="6400" b="1" dirty="0">
+                <a:solidFill>
+                  <a:srgbClr val="660033"/>
                 </a:solidFill>
                 <a:latin typeface="微軟正黑體" pitchFamily="34" charset="-120"/>
                 <a:ea typeface="微軟正黑體" pitchFamily="34" charset="-120"/>
               </a:rPr>
-              <a:t>尊貴之君</a:t>
-            </a:r>
-            <a:endParaRPr lang="zh-TW" altLang="en-US" b="1" dirty="0">
+              <a:t>道降下世間</a:t>
+            </a:r>
+            <a:endParaRPr lang="en-US" altLang="zh-TW" sz="6400" b="1" dirty="0">
               <a:solidFill>
-                <a:srgbClr val="000066"/>
+                <a:srgbClr val="660033"/>
               </a:solidFill>
               <a:latin typeface="微軟正黑體" pitchFamily="34" charset="-120"/>
               <a:ea typeface="微軟正黑體" pitchFamily="34" charset="-120"/>
             </a:endParaRPr>
           </a:p>
-        </p:txBody>
-      </p:sp>
-      <p:sp>
-        <p:nvSpPr>
-          <p:cNvPr id="5" name="內容版面配置區 4"/>
-          <p:cNvSpPr>
-            <a:spLocks noGrp="1"/>
-          </p:cNvSpPr>
-          <p:nvPr>
-            <p:ph idx="1"/>
-          </p:nvPr>
-        </p:nvSpPr>
-        <p:spPr/>
-        <p:txBody>
-          <a:bodyPr>
-            <a:normAutofit/>
-          </a:bodyPr>
-          <a:lstStyle/>
           <a:p>
             <a:pPr algn="ctr">
               <a:buNone/>
             </a:pPr>
             <a:r>
-              <a:rPr lang="zh-TW" altLang="en-US" sz="5400" b="1" dirty="0" smtClean="0">
-                <a:solidFill>
-                  <a:srgbClr val="000066"/>
+              <a:rPr lang="zh-TW" altLang="en-US" sz="6400" b="1" dirty="0">
+                <a:solidFill>
+                  <a:srgbClr val="660033"/>
                 </a:solidFill>
                 <a:latin typeface="微軟正黑體" pitchFamily="34" charset="-120"/>
                 <a:ea typeface="微軟正黑體" pitchFamily="34" charset="-120"/>
               </a:rPr>
-              <a:t>頌讚上主權</a:t>
-            </a:r>
-            <a:r>
-              <a:rPr lang="zh-TW" altLang="en-US" sz="5400" b="1" dirty="0" smtClean="0">
-                <a:solidFill>
-                  <a:srgbClr val="000066"/>
-                </a:solidFill>
-                <a:latin typeface="微軟正黑體" pitchFamily="34" charset="-120"/>
-                <a:ea typeface="微軟正黑體" pitchFamily="34" charset="-120"/>
-              </a:rPr>
-              <a:t>能</a:t>
-            </a:r>
-            <a:endParaRPr lang="en-US" altLang="zh-TW" sz="5400" b="1" dirty="0" smtClean="0">
+              <a:t>寧願降服十架捨身</a:t>
+            </a:r>
+            <a:endParaRPr lang="zh-TW" altLang="en-US" sz="6400" b="1" dirty="0">
               <a:solidFill>
-                <a:srgbClr val="000066"/>
+                <a:srgbClr val="660033"/>
               </a:solidFill>
               <a:latin typeface="微軟正黑體" pitchFamily="34" charset="-120"/>
               <a:ea typeface="微軟正黑體" pitchFamily="34" charset="-120"/>
             </a:endParaRPr>
           </a:p>
-          <a:p>
-            <a:pPr algn="ctr">
-              <a:buNone/>
-            </a:pPr>
-            <a:r>
-              <a:rPr lang="zh-TW" altLang="en-US" sz="5400" b="1" dirty="0" smtClean="0">
-                <a:solidFill>
-                  <a:srgbClr val="000066"/>
-                </a:solidFill>
-                <a:latin typeface="微軟正黑體" pitchFamily="34" charset="-120"/>
-                <a:ea typeface="微軟正黑體" pitchFamily="34" charset="-120"/>
-              </a:rPr>
-              <a:t>頌讚</a:t>
-            </a:r>
-            <a:r>
-              <a:rPr lang="zh-TW" altLang="en-US" sz="5400" b="1" dirty="0" smtClean="0">
-                <a:solidFill>
-                  <a:srgbClr val="000066"/>
-                </a:solidFill>
-                <a:latin typeface="微軟正黑體" pitchFamily="34" charset="-120"/>
-                <a:ea typeface="微軟正黑體" pitchFamily="34" charset="-120"/>
-              </a:rPr>
-              <a:t>上主你</a:t>
-            </a:r>
-            <a:r>
-              <a:rPr lang="zh-TW" altLang="en-US" sz="5400" b="1" dirty="0" smtClean="0">
-                <a:solidFill>
-                  <a:srgbClr val="000066"/>
-                </a:solidFill>
-                <a:latin typeface="微軟正黑體" pitchFamily="34" charset="-120"/>
-                <a:ea typeface="微軟正黑體" pitchFamily="34" charset="-120"/>
-              </a:rPr>
-              <a:t>犧牲</a:t>
-            </a:r>
-            <a:endParaRPr lang="en-US" altLang="zh-TW" sz="5400" b="1" dirty="0" smtClean="0">
-              <a:solidFill>
-                <a:srgbClr val="000066"/>
-              </a:solidFill>
-              <a:latin typeface="微軟正黑體" pitchFamily="34" charset="-120"/>
-              <a:ea typeface="微軟正黑體" pitchFamily="34" charset="-120"/>
-            </a:endParaRPr>
-          </a:p>
-          <a:p>
-            <a:pPr algn="ctr">
-              <a:buNone/>
-            </a:pPr>
-            <a:r>
-              <a:rPr lang="zh-TW" altLang="en-US" sz="5400" b="1" dirty="0" smtClean="0">
-                <a:solidFill>
-                  <a:srgbClr val="000066"/>
-                </a:solidFill>
-                <a:latin typeface="微軟正黑體" pitchFamily="34" charset="-120"/>
-                <a:ea typeface="微軟正黑體" pitchFamily="34" charset="-120"/>
-              </a:rPr>
-              <a:t>藉</a:t>
-            </a:r>
-            <a:r>
-              <a:rPr lang="zh-TW" altLang="en-US" sz="5400" b="1" dirty="0" smtClean="0">
-                <a:solidFill>
-                  <a:srgbClr val="000066"/>
-                </a:solidFill>
-                <a:latin typeface="微軟正黑體" pitchFamily="34" charset="-120"/>
-                <a:ea typeface="微軟正黑體" pitchFamily="34" charset="-120"/>
-              </a:rPr>
-              <a:t>救贖大</a:t>
-            </a:r>
-            <a:r>
-              <a:rPr lang="zh-TW" altLang="en-US" sz="5400" b="1" dirty="0" smtClean="0">
-                <a:solidFill>
-                  <a:srgbClr val="000066"/>
-                </a:solidFill>
-                <a:latin typeface="微軟正黑體" pitchFamily="34" charset="-120"/>
-                <a:ea typeface="微軟正黑體" pitchFamily="34" charset="-120"/>
-              </a:rPr>
-              <a:t>能</a:t>
-            </a:r>
-            <a:endParaRPr lang="en-US" altLang="zh-TW" sz="5400" b="1" dirty="0" smtClean="0">
-              <a:solidFill>
-                <a:srgbClr val="000066"/>
-              </a:solidFill>
-              <a:latin typeface="微軟正黑體" pitchFamily="34" charset="-120"/>
-              <a:ea typeface="微軟正黑體" pitchFamily="34" charset="-120"/>
-            </a:endParaRPr>
-          </a:p>
-          <a:p>
-            <a:pPr algn="ctr">
-              <a:buNone/>
-            </a:pPr>
-            <a:r>
-              <a:rPr lang="zh-TW" altLang="en-US" sz="5400" b="1" dirty="0" smtClean="0">
-                <a:solidFill>
-                  <a:srgbClr val="000066"/>
-                </a:solidFill>
-                <a:latin typeface="微軟正黑體" pitchFamily="34" charset="-120"/>
-                <a:ea typeface="微軟正黑體" pitchFamily="34" charset="-120"/>
-              </a:rPr>
-              <a:t>彰顯</a:t>
-            </a:r>
-            <a:r>
-              <a:rPr lang="zh-TW" altLang="en-US" sz="5400" b="1" dirty="0" smtClean="0">
-                <a:solidFill>
-                  <a:srgbClr val="000066"/>
-                </a:solidFill>
-                <a:latin typeface="微軟正黑體" pitchFamily="34" charset="-120"/>
-                <a:ea typeface="微軟正黑體" pitchFamily="34" charset="-120"/>
-              </a:rPr>
-              <a:t>恩惠慈愛至深</a:t>
-            </a:r>
-            <a:endParaRPr lang="zh-TW" altLang="en-US" sz="5400" b="1" dirty="0">
-              <a:solidFill>
-                <a:srgbClr val="000066"/>
-              </a:solidFill>
-              <a:latin typeface="微軟正黑體" pitchFamily="34" charset="-120"/>
-              <a:ea typeface="微軟正黑體" pitchFamily="34" charset="-120"/>
-            </a:endParaRPr>
-          </a:p>
         </p:txBody>
       </p:sp>
     </p:spTree>
+    <p:extLst>
+      <p:ext uri="{BB962C8B-B14F-4D97-AF65-F5344CB8AC3E}">
+        <p14:creationId xmlns:p14="http://schemas.microsoft.com/office/powerpoint/2010/main" val="1970101979"/>
+      </p:ext>
+    </p:extLst>
   </p:cSld>
   <p:clrMapOvr>
     <a:masterClrMapping/>
@@ -3696,186 +3377,97 @@
       </p:grpSpPr>
       <p:sp>
         <p:nvSpPr>
-          <p:cNvPr id="4" name="標題 3"/>
-          <p:cNvSpPr>
-            <a:spLocks noGrp="1"/>
-          </p:cNvSpPr>
-          <p:nvPr>
-            <p:ph type="title"/>
-          </p:nvPr>
-        </p:nvSpPr>
-        <p:spPr/>
-        <p:txBody>
-          <a:bodyPr/>
-          <a:lstStyle/>
-          <a:p>
-            <a:r>
-              <a:rPr lang="zh-CN" altLang="en-US" b="1" dirty="0" smtClean="0">
-                <a:solidFill>
-                  <a:srgbClr val="000066"/>
+          <p:cNvPr id="5" name="內容版面配置區 4"/>
+          <p:cNvSpPr>
+            <a:spLocks noGrp="1"/>
+          </p:cNvSpPr>
+          <p:nvPr>
+            <p:ph idx="1"/>
+          </p:nvPr>
+        </p:nvSpPr>
+        <p:spPr>
+          <a:xfrm>
+            <a:off x="0" y="2084851"/>
+            <a:ext cx="12192000" cy="2404863"/>
+          </a:xfrm>
+        </p:spPr>
+        <p:txBody>
+          <a:bodyPr anchor="ctr">
+            <a:normAutofit/>
+          </a:bodyPr>
+          <a:lstStyle/>
+          <a:p>
+            <a:pPr algn="ctr">
+              <a:buNone/>
+            </a:pPr>
+            <a:r>
+              <a:rPr lang="zh-TW" altLang="en-US" sz="6400" b="1" dirty="0">
+                <a:solidFill>
+                  <a:srgbClr val="660033"/>
                 </a:solidFill>
                 <a:latin typeface="微軟正黑體" pitchFamily="34" charset="-120"/>
                 <a:ea typeface="微軟正黑體" pitchFamily="34" charset="-120"/>
               </a:rPr>
-              <a:t>尊貴之君</a:t>
-            </a:r>
-            <a:endParaRPr lang="zh-TW" altLang="en-US" b="1" dirty="0">
+              <a:t>得勝罪惡的拘禁</a:t>
+            </a:r>
+            <a:endParaRPr lang="en-US" altLang="zh-TW" sz="6400" b="1" dirty="0">
               <a:solidFill>
-                <a:srgbClr val="000066"/>
+                <a:srgbClr val="660033"/>
               </a:solidFill>
               <a:latin typeface="微軟正黑體" pitchFamily="34" charset="-120"/>
               <a:ea typeface="微軟正黑體" pitchFamily="34" charset="-120"/>
             </a:endParaRPr>
           </a:p>
-        </p:txBody>
-      </p:sp>
-      <p:sp>
-        <p:nvSpPr>
-          <p:cNvPr id="5" name="內容版面配置區 4"/>
-          <p:cNvSpPr>
-            <a:spLocks noGrp="1"/>
-          </p:cNvSpPr>
-          <p:nvPr>
-            <p:ph idx="1"/>
-          </p:nvPr>
-        </p:nvSpPr>
-        <p:spPr/>
-        <p:txBody>
-          <a:bodyPr>
-            <a:normAutofit/>
-          </a:bodyPr>
-          <a:lstStyle/>
           <a:p>
             <a:pPr algn="ctr">
               <a:buNone/>
             </a:pPr>
             <a:r>
-              <a:rPr lang="zh-TW" altLang="en-US" sz="5400" b="1" dirty="0" smtClean="0">
-                <a:solidFill>
-                  <a:srgbClr val="000066"/>
+              <a:rPr lang="zh-TW" altLang="en-US" sz="6400" b="1" dirty="0">
+                <a:solidFill>
+                  <a:srgbClr val="660033"/>
                 </a:solidFill>
                 <a:latin typeface="微軟正黑體" pitchFamily="34" charset="-120"/>
                 <a:ea typeface="微軟正黑體" pitchFamily="34" charset="-120"/>
               </a:rPr>
-              <a:t>願讚頌主權</a:t>
-            </a:r>
-            <a:r>
-              <a:rPr lang="zh-TW" altLang="en-US" sz="5400" b="1" dirty="0" smtClean="0">
-                <a:solidFill>
-                  <a:srgbClr val="000066"/>
+              <a:t>一切為拯救世人</a:t>
+            </a:r>
+            <a:r>
+              <a:rPr lang="en-US" altLang="zh-TW" sz="6400" b="1" dirty="0">
+                <a:solidFill>
+                  <a:srgbClr val="660033"/>
                 </a:solidFill>
                 <a:latin typeface="微軟正黑體" pitchFamily="34" charset="-120"/>
                 <a:ea typeface="微軟正黑體" pitchFamily="34" charset="-120"/>
               </a:rPr>
-              <a:t>能</a:t>
-            </a:r>
-            <a:endParaRPr lang="en-US" altLang="zh-TW" sz="5400" b="1" dirty="0" smtClean="0">
+              <a:t>  </a:t>
+            </a:r>
+            <a:r>
+              <a:rPr lang="zh-TW" altLang="en-US" sz="6400" b="1" dirty="0">
+                <a:solidFill>
+                  <a:srgbClr val="660033"/>
+                </a:solidFill>
+                <a:latin typeface="微軟正黑體" pitchFamily="34" charset="-120"/>
+                <a:ea typeface="微軟正黑體" pitchFamily="34" charset="-120"/>
+              </a:rPr>
+              <a:t>成就偉大救恩</a:t>
+            </a:r>
+            <a:endParaRPr lang="zh-TW" altLang="en-US" sz="6400" b="1" dirty="0">
               <a:solidFill>
-                <a:srgbClr val="000066"/>
+                <a:srgbClr val="660033"/>
               </a:solidFill>
               <a:latin typeface="微軟正黑體" pitchFamily="34" charset="-120"/>
               <a:ea typeface="微軟正黑體" pitchFamily="34" charset="-120"/>
             </a:endParaRPr>
           </a:p>
-          <a:p>
-            <a:pPr algn="ctr">
-              <a:buNone/>
-            </a:pPr>
-            <a:r>
-              <a:rPr lang="zh-TW" altLang="en-US" sz="5400" b="1" dirty="0" smtClean="0">
-                <a:solidFill>
-                  <a:srgbClr val="000066"/>
-                </a:solidFill>
-                <a:latin typeface="微軟正黑體" pitchFamily="34" charset="-120"/>
-                <a:ea typeface="微軟正黑體" pitchFamily="34" charset="-120"/>
-              </a:rPr>
-              <a:t>高聲呼喊</a:t>
-            </a:r>
-            <a:endParaRPr lang="en-US" altLang="zh-TW" sz="5400" b="1" dirty="0" smtClean="0">
-              <a:solidFill>
-                <a:srgbClr val="000066"/>
-              </a:solidFill>
-              <a:latin typeface="微軟正黑體" pitchFamily="34" charset="-120"/>
-              <a:ea typeface="微軟正黑體" pitchFamily="34" charset="-120"/>
-            </a:endParaRPr>
-          </a:p>
-          <a:p>
-            <a:pPr algn="ctr">
-              <a:buNone/>
-            </a:pPr>
-            <a:r>
-              <a:rPr lang="zh-TW" altLang="en-US" sz="5400" b="1" dirty="0" smtClean="0">
-                <a:solidFill>
-                  <a:srgbClr val="000066"/>
-                </a:solidFill>
-                <a:latin typeface="微軟正黑體" pitchFamily="34" charset="-120"/>
-                <a:ea typeface="微軟正黑體" pitchFamily="34" charset="-120"/>
-              </a:rPr>
-              <a:t>主</a:t>
-            </a:r>
-            <a:r>
-              <a:rPr lang="zh-TW" altLang="en-US" sz="5400" b="1" dirty="0" smtClean="0">
-                <a:solidFill>
-                  <a:srgbClr val="000066"/>
-                </a:solidFill>
-                <a:latin typeface="微軟正黑體" pitchFamily="34" charset="-120"/>
-                <a:ea typeface="微軟正黑體" pitchFamily="34" charset="-120"/>
-              </a:rPr>
-              <a:t>愛臨近 神恩典</a:t>
-            </a:r>
-            <a:r>
-              <a:rPr lang="zh-TW" altLang="en-US" sz="5400" b="1" dirty="0" smtClean="0">
-                <a:solidFill>
-                  <a:srgbClr val="000066"/>
-                </a:solidFill>
-                <a:latin typeface="微軟正黑體" pitchFamily="34" charset="-120"/>
-                <a:ea typeface="微軟正黑體" pitchFamily="34" charset="-120"/>
-              </a:rPr>
-              <a:t>成全</a:t>
-            </a:r>
-            <a:endParaRPr lang="en-US" altLang="zh-TW" sz="5400" b="1" dirty="0" smtClean="0">
-              <a:solidFill>
-                <a:srgbClr val="000066"/>
-              </a:solidFill>
-              <a:latin typeface="微軟正黑體" pitchFamily="34" charset="-120"/>
-              <a:ea typeface="微軟正黑體" pitchFamily="34" charset="-120"/>
-            </a:endParaRPr>
-          </a:p>
-          <a:p>
-            <a:pPr algn="ctr">
-              <a:buNone/>
-            </a:pPr>
-            <a:r>
-              <a:rPr lang="zh-TW" altLang="en-US" sz="5400" b="1" dirty="0" smtClean="0">
-                <a:solidFill>
-                  <a:srgbClr val="000066"/>
-                </a:solidFill>
-                <a:latin typeface="微軟正黑體" pitchFamily="34" charset="-120"/>
-                <a:ea typeface="微軟正黑體" pitchFamily="34" charset="-120"/>
-              </a:rPr>
-              <a:t>至高</a:t>
-            </a:r>
-            <a:r>
-              <a:rPr lang="zh-TW" altLang="en-US" sz="5400" b="1" dirty="0" smtClean="0">
-                <a:solidFill>
-                  <a:srgbClr val="000066"/>
-                </a:solidFill>
-                <a:latin typeface="微軟正黑體" pitchFamily="34" charset="-120"/>
-                <a:ea typeface="微軟正黑體" pitchFamily="34" charset="-120"/>
-              </a:rPr>
-              <a:t>主厚愛達永遠</a:t>
-            </a:r>
-            <a:endParaRPr lang="zh-TW" altLang="en-US" sz="5400" b="1" dirty="0">
-              <a:solidFill>
-                <a:srgbClr val="000066"/>
-              </a:solidFill>
-              <a:latin typeface="微軟正黑體" pitchFamily="34" charset="-120"/>
-              <a:ea typeface="微軟正黑體" pitchFamily="34" charset="-120"/>
-            </a:endParaRPr>
-          </a:p>
         </p:txBody>
       </p:sp>
     </p:spTree>
+    <p:extLst>
+      <p:ext uri="{BB962C8B-B14F-4D97-AF65-F5344CB8AC3E}">
+        <p14:creationId xmlns:p14="http://schemas.microsoft.com/office/powerpoint/2010/main" val="2711295141"/>
+      </p:ext>
+    </p:extLst>
   </p:cSld>
   <p:clrMapOvr>
     <a:masterClrMapping/>
@@ -3902,32 +3494,470 @@
       </p:grpSpPr>
       <p:sp>
         <p:nvSpPr>
-          <p:cNvPr id="4" name="標題 3"/>
-          <p:cNvSpPr>
-            <a:spLocks noGrp="1"/>
-          </p:cNvSpPr>
-          <p:nvPr>
-            <p:ph type="title"/>
-          </p:nvPr>
-        </p:nvSpPr>
-        <p:spPr/>
-        <p:txBody>
-          <a:bodyPr/>
-          <a:lstStyle/>
-          <a:p>
-            <a:r>
-              <a:rPr lang="zh-CN" altLang="en-US" b="1" dirty="0" smtClean="0">
-                <a:solidFill>
-                  <a:srgbClr val="000066"/>
+          <p:cNvPr id="5" name="內容版面配置區 4"/>
+          <p:cNvSpPr>
+            <a:spLocks noGrp="1"/>
+          </p:cNvSpPr>
+          <p:nvPr>
+            <p:ph idx="1"/>
+          </p:nvPr>
+        </p:nvSpPr>
+        <p:spPr>
+          <a:xfrm>
+            <a:off x="0" y="2084851"/>
+            <a:ext cx="12192000" cy="2404863"/>
+          </a:xfrm>
+        </p:spPr>
+        <p:txBody>
+          <a:bodyPr anchor="ctr">
+            <a:normAutofit/>
+          </a:bodyPr>
+          <a:lstStyle/>
+          <a:p>
+            <a:pPr algn="ctr">
+              <a:buNone/>
+            </a:pPr>
+            <a:r>
+              <a:rPr lang="zh-TW" altLang="en-US" sz="6400" b="1" dirty="0">
+                <a:solidFill>
+                  <a:srgbClr val="660033"/>
+                </a:solidFill>
+                <a:latin typeface="微軟正黑體" pitchFamily="34" charset="-120"/>
+                <a:ea typeface="微軟正黑體" pitchFamily="34" charset="-120"/>
+              </a:rPr>
+              <a:t>頌讚上主權能</a:t>
+            </a:r>
+            <a:endParaRPr lang="en-US" altLang="zh-TW" sz="6400" b="1" dirty="0">
+              <a:solidFill>
+                <a:srgbClr val="660033"/>
+              </a:solidFill>
+              <a:latin typeface="微軟正黑體" pitchFamily="34" charset="-120"/>
+              <a:ea typeface="微軟正黑體" pitchFamily="34" charset="-120"/>
+            </a:endParaRPr>
+          </a:p>
+          <a:p>
+            <a:pPr algn="ctr">
+              <a:buNone/>
+            </a:pPr>
+            <a:r>
+              <a:rPr lang="zh-TW" altLang="en-US" sz="6400" b="1" dirty="0">
+                <a:solidFill>
+                  <a:srgbClr val="660033"/>
+                </a:solidFill>
+                <a:latin typeface="微軟正黑體" pitchFamily="34" charset="-120"/>
+                <a:ea typeface="微軟正黑體" pitchFamily="34" charset="-120"/>
+              </a:rPr>
+              <a:t>頌讚上主</a:t>
+            </a:r>
+            <a:r>
+              <a:rPr lang="zh-CN" altLang="en-US" sz="6400" b="1" dirty="0">
+                <a:solidFill>
+                  <a:srgbClr val="660033"/>
+                </a:solidFill>
+                <a:latin typeface="微軟正黑體" pitchFamily="34" charset="-120"/>
+                <a:ea typeface="微軟正黑體" pitchFamily="34" charset="-120"/>
+              </a:rPr>
+              <a:t>袮</a:t>
+            </a:r>
+            <a:r>
+              <a:rPr lang="zh-TW" altLang="en-US" sz="6400" b="1" dirty="0">
+                <a:solidFill>
+                  <a:srgbClr val="660033"/>
+                </a:solidFill>
+                <a:latin typeface="微軟正黑體" pitchFamily="34" charset="-120"/>
+                <a:ea typeface="微軟正黑體" pitchFamily="34" charset="-120"/>
+              </a:rPr>
+              <a:t>犧牲</a:t>
+            </a:r>
+            <a:endParaRPr lang="en-US" altLang="zh-TW" sz="6400" b="1" dirty="0">
+              <a:solidFill>
+                <a:srgbClr val="660033"/>
+              </a:solidFill>
+              <a:latin typeface="微軟正黑體" pitchFamily="34" charset="-120"/>
+              <a:ea typeface="微軟正黑體" pitchFamily="34" charset="-120"/>
+            </a:endParaRPr>
+          </a:p>
+        </p:txBody>
+      </p:sp>
+    </p:spTree>
+    <p:extLst>
+      <p:ext uri="{BB962C8B-B14F-4D97-AF65-F5344CB8AC3E}">
+        <p14:creationId xmlns:p14="http://schemas.microsoft.com/office/powerpoint/2010/main" val="3648954077"/>
+      </p:ext>
+    </p:extLst>
+  </p:cSld>
+  <p:clrMapOvr>
+    <a:masterClrMapping/>
+  </p:clrMapOvr>
+</p:sld>
+</file>
+
+<file path=ppt/slides/slide6.xml><?xml version="1.0" encoding="utf-8"?>
+<p:sld xmlns:a="http://schemas.openxmlformats.org/drawingml/2006/main" xmlns:r="http://schemas.openxmlformats.org/officeDocument/2006/relationships" xmlns:p="http://schemas.openxmlformats.org/presentationml/2006/main">
+  <p:cSld>
+    <p:spTree>
+      <p:nvGrpSpPr>
+        <p:cNvPr id="1" name=""/>
+        <p:cNvGrpSpPr/>
+        <p:nvPr/>
+      </p:nvGrpSpPr>
+      <p:grpSpPr>
+        <a:xfrm>
+          <a:off x="0" y="0"/>
+          <a:ext cx="0" cy="0"/>
+          <a:chOff x="0" y="0"/>
+          <a:chExt cx="0" cy="0"/>
+        </a:xfrm>
+      </p:grpSpPr>
+      <p:sp>
+        <p:nvSpPr>
+          <p:cNvPr id="5" name="內容版面配置區 4"/>
+          <p:cNvSpPr>
+            <a:spLocks noGrp="1"/>
+          </p:cNvSpPr>
+          <p:nvPr>
+            <p:ph idx="1"/>
+          </p:nvPr>
+        </p:nvSpPr>
+        <p:spPr>
+          <a:xfrm>
+            <a:off x="0" y="2084851"/>
+            <a:ext cx="12192000" cy="2404863"/>
+          </a:xfrm>
+        </p:spPr>
+        <p:txBody>
+          <a:bodyPr anchor="ctr">
+            <a:normAutofit/>
+          </a:bodyPr>
+          <a:lstStyle/>
+          <a:p>
+            <a:pPr algn="ctr">
+              <a:buNone/>
+            </a:pPr>
+            <a:r>
+              <a:rPr lang="zh-TW" altLang="en-US" sz="6400" b="1" dirty="0">
+                <a:solidFill>
+                  <a:srgbClr val="660033"/>
+                </a:solidFill>
+                <a:latin typeface="微軟正黑體" pitchFamily="34" charset="-120"/>
+                <a:ea typeface="微軟正黑體" pitchFamily="34" charset="-120"/>
+              </a:rPr>
+              <a:t>藉救贖大能</a:t>
+            </a:r>
+            <a:endParaRPr lang="en-US" altLang="zh-TW" sz="6400" b="1" dirty="0">
+              <a:solidFill>
+                <a:srgbClr val="660033"/>
+              </a:solidFill>
+              <a:latin typeface="微軟正黑體" pitchFamily="34" charset="-120"/>
+              <a:ea typeface="微軟正黑體" pitchFamily="34" charset="-120"/>
+            </a:endParaRPr>
+          </a:p>
+          <a:p>
+            <a:pPr algn="ctr">
+              <a:buNone/>
+            </a:pPr>
+            <a:r>
+              <a:rPr lang="zh-TW" altLang="en-US" sz="6400" b="1" dirty="0">
+                <a:solidFill>
+                  <a:srgbClr val="660033"/>
+                </a:solidFill>
+                <a:latin typeface="微軟正黑體" pitchFamily="34" charset="-120"/>
+                <a:ea typeface="微軟正黑體" pitchFamily="34" charset="-120"/>
+              </a:rPr>
+              <a:t>彰顯恩惠慈愛至深</a:t>
+            </a:r>
+            <a:endParaRPr lang="zh-TW" altLang="en-US" sz="6400" b="1" dirty="0">
+              <a:solidFill>
+                <a:srgbClr val="660033"/>
+              </a:solidFill>
+              <a:latin typeface="微軟正黑體" pitchFamily="34" charset="-120"/>
+              <a:ea typeface="微軟正黑體" pitchFamily="34" charset="-120"/>
+            </a:endParaRPr>
+          </a:p>
+        </p:txBody>
+      </p:sp>
+    </p:spTree>
+    <p:extLst>
+      <p:ext uri="{BB962C8B-B14F-4D97-AF65-F5344CB8AC3E}">
+        <p14:creationId xmlns:p14="http://schemas.microsoft.com/office/powerpoint/2010/main" val="3334970822"/>
+      </p:ext>
+    </p:extLst>
+  </p:cSld>
+  <p:clrMapOvr>
+    <a:masterClrMapping/>
+  </p:clrMapOvr>
+</p:sld>
+</file>
+
+<file path=ppt/slides/slide7.xml><?xml version="1.0" encoding="utf-8"?>
+<p:sld xmlns:a="http://schemas.openxmlformats.org/drawingml/2006/main" xmlns:r="http://schemas.openxmlformats.org/officeDocument/2006/relationships" xmlns:p="http://schemas.openxmlformats.org/presentationml/2006/main">
+  <p:cSld>
+    <p:spTree>
+      <p:nvGrpSpPr>
+        <p:cNvPr id="1" name=""/>
+        <p:cNvGrpSpPr/>
+        <p:nvPr/>
+      </p:nvGrpSpPr>
+      <p:grpSpPr>
+        <a:xfrm>
+          <a:off x="0" y="0"/>
+          <a:ext cx="0" cy="0"/>
+          <a:chOff x="0" y="0"/>
+          <a:chExt cx="0" cy="0"/>
+        </a:xfrm>
+      </p:grpSpPr>
+      <p:sp>
+        <p:nvSpPr>
+          <p:cNvPr id="5" name="內容版面配置區 4"/>
+          <p:cNvSpPr>
+            <a:spLocks noGrp="1"/>
+          </p:cNvSpPr>
+          <p:nvPr>
+            <p:ph idx="1"/>
+          </p:nvPr>
+        </p:nvSpPr>
+        <p:spPr>
+          <a:xfrm>
+            <a:off x="0" y="2084851"/>
+            <a:ext cx="12192000" cy="2404863"/>
+          </a:xfrm>
+        </p:spPr>
+        <p:txBody>
+          <a:bodyPr anchor="ctr">
+            <a:normAutofit/>
+          </a:bodyPr>
+          <a:lstStyle/>
+          <a:p>
+            <a:pPr algn="ctr">
+              <a:buNone/>
+            </a:pPr>
+            <a:r>
+              <a:rPr lang="zh-TW" altLang="en-US" sz="6400" b="1" dirty="0">
+                <a:solidFill>
+                  <a:srgbClr val="660033"/>
+                </a:solidFill>
+                <a:latin typeface="微軟正黑體" pitchFamily="34" charset="-120"/>
+                <a:ea typeface="微軟正黑體" pitchFamily="34" charset="-120"/>
+              </a:rPr>
+              <a:t>願讚頌主權能</a:t>
+            </a:r>
+            <a:endParaRPr lang="en-US" altLang="zh-TW" sz="6400" b="1" dirty="0">
+              <a:solidFill>
+                <a:srgbClr val="660033"/>
+              </a:solidFill>
+              <a:latin typeface="微軟正黑體" pitchFamily="34" charset="-120"/>
+              <a:ea typeface="微軟正黑體" pitchFamily="34" charset="-120"/>
+            </a:endParaRPr>
+          </a:p>
+          <a:p>
+            <a:pPr algn="ctr">
+              <a:buNone/>
+            </a:pPr>
+            <a:r>
+              <a:rPr lang="zh-TW" altLang="en-US" sz="6400" b="1" dirty="0">
+                <a:solidFill>
+                  <a:srgbClr val="660033"/>
+                </a:solidFill>
+                <a:latin typeface="微軟正黑體" pitchFamily="34" charset="-120"/>
+                <a:ea typeface="微軟正黑體" pitchFamily="34" charset="-120"/>
+              </a:rPr>
+              <a:t>高聲呼喊</a:t>
+            </a:r>
+            <a:endParaRPr lang="en-US" altLang="zh-TW" sz="6400" b="1" dirty="0">
+              <a:solidFill>
+                <a:srgbClr val="660033"/>
+              </a:solidFill>
+              <a:latin typeface="微軟正黑體" pitchFamily="34" charset="-120"/>
+              <a:ea typeface="微軟正黑體" pitchFamily="34" charset="-120"/>
+            </a:endParaRPr>
+          </a:p>
+        </p:txBody>
+      </p:sp>
+    </p:spTree>
+    <p:extLst>
+      <p:ext uri="{BB962C8B-B14F-4D97-AF65-F5344CB8AC3E}">
+        <p14:creationId xmlns:p14="http://schemas.microsoft.com/office/powerpoint/2010/main" val="3640751349"/>
+      </p:ext>
+    </p:extLst>
+  </p:cSld>
+  <p:clrMapOvr>
+    <a:masterClrMapping/>
+  </p:clrMapOvr>
+</p:sld>
+</file>
+
+<file path=ppt/slides/slide8.xml><?xml version="1.0" encoding="utf-8"?>
+<p:sld xmlns:a="http://schemas.openxmlformats.org/drawingml/2006/main" xmlns:r="http://schemas.openxmlformats.org/officeDocument/2006/relationships" xmlns:p="http://schemas.openxmlformats.org/presentationml/2006/main">
+  <p:cSld>
+    <p:spTree>
+      <p:nvGrpSpPr>
+        <p:cNvPr id="1" name=""/>
+        <p:cNvGrpSpPr/>
+        <p:nvPr/>
+      </p:nvGrpSpPr>
+      <p:grpSpPr>
+        <a:xfrm>
+          <a:off x="0" y="0"/>
+          <a:ext cx="0" cy="0"/>
+          <a:chOff x="0" y="0"/>
+          <a:chExt cx="0" cy="0"/>
+        </a:xfrm>
+      </p:grpSpPr>
+      <p:sp>
+        <p:nvSpPr>
+          <p:cNvPr id="5" name="內容版面配置區 4"/>
+          <p:cNvSpPr>
+            <a:spLocks noGrp="1"/>
+          </p:cNvSpPr>
+          <p:nvPr>
+            <p:ph idx="1"/>
+          </p:nvPr>
+        </p:nvSpPr>
+        <p:spPr>
+          <a:xfrm>
+            <a:off x="0" y="2084851"/>
+            <a:ext cx="12192000" cy="2404863"/>
+          </a:xfrm>
+        </p:spPr>
+        <p:txBody>
+          <a:bodyPr anchor="ctr">
+            <a:normAutofit/>
+          </a:bodyPr>
+          <a:lstStyle/>
+          <a:p>
+            <a:pPr algn="ctr">
+              <a:buNone/>
+            </a:pPr>
+            <a:r>
+              <a:rPr lang="zh-TW" altLang="en-US" sz="6400" b="1" dirty="0">
+                <a:solidFill>
+                  <a:srgbClr val="660033"/>
+                </a:solidFill>
+                <a:latin typeface="微軟正黑體" pitchFamily="34" charset="-120"/>
+                <a:ea typeface="微軟正黑體" pitchFamily="34" charset="-120"/>
+              </a:rPr>
+              <a:t>主愛臨近  神恩典成全</a:t>
+            </a:r>
+            <a:endParaRPr lang="en-US" altLang="zh-TW" sz="6400" b="1" dirty="0">
+              <a:solidFill>
+                <a:srgbClr val="660033"/>
+              </a:solidFill>
+              <a:latin typeface="微軟正黑體" pitchFamily="34" charset="-120"/>
+              <a:ea typeface="微軟正黑體" pitchFamily="34" charset="-120"/>
+            </a:endParaRPr>
+          </a:p>
+          <a:p>
+            <a:pPr algn="ctr">
+              <a:buNone/>
+            </a:pPr>
+            <a:r>
+              <a:rPr lang="zh-TW" altLang="en-US" sz="6400" b="1" dirty="0">
+                <a:solidFill>
+                  <a:srgbClr val="660033"/>
+                </a:solidFill>
+                <a:latin typeface="微軟正黑體" pitchFamily="34" charset="-120"/>
+                <a:ea typeface="微軟正黑體" pitchFamily="34" charset="-120"/>
+              </a:rPr>
+              <a:t>至高主厚愛達永遠</a:t>
+            </a:r>
+            <a:endParaRPr lang="zh-TW" altLang="en-US" sz="6400" b="1" dirty="0">
+              <a:solidFill>
+                <a:srgbClr val="660033"/>
+              </a:solidFill>
+              <a:latin typeface="微軟正黑體" pitchFamily="34" charset="-120"/>
+              <a:ea typeface="微軟正黑體" pitchFamily="34" charset="-120"/>
+            </a:endParaRPr>
+          </a:p>
+        </p:txBody>
+      </p:sp>
+    </p:spTree>
+    <p:extLst>
+      <p:ext uri="{BB962C8B-B14F-4D97-AF65-F5344CB8AC3E}">
+        <p14:creationId xmlns:p14="http://schemas.microsoft.com/office/powerpoint/2010/main" val="814741357"/>
+      </p:ext>
+    </p:extLst>
+  </p:cSld>
+  <p:clrMapOvr>
+    <a:masterClrMapping/>
+  </p:clrMapOvr>
+</p:sld>
+</file>
+
+<file path=ppt/slides/slide9.xml><?xml version="1.0" encoding="utf-8"?>
+<p:sld xmlns:a="http://schemas.openxmlformats.org/drawingml/2006/main" xmlns:r="http://schemas.openxmlformats.org/officeDocument/2006/relationships" xmlns:p="http://schemas.openxmlformats.org/presentationml/2006/main">
+  <p:cSld>
+    <p:spTree>
+      <p:nvGrpSpPr>
+        <p:cNvPr id="1" name=""/>
+        <p:cNvGrpSpPr/>
+        <p:nvPr/>
+      </p:nvGrpSpPr>
+      <p:grpSpPr>
+        <a:xfrm>
+          <a:off x="0" y="0"/>
+          <a:ext cx="0" cy="0"/>
+          <a:chOff x="0" y="0"/>
+          <a:chExt cx="0" cy="0"/>
+        </a:xfrm>
+      </p:grpSpPr>
+      <p:sp>
+        <p:nvSpPr>
+          <p:cNvPr id="5" name="內容版面配置區 4"/>
+          <p:cNvSpPr>
+            <a:spLocks noGrp="1"/>
+          </p:cNvSpPr>
+          <p:nvPr>
+            <p:ph idx="1"/>
+          </p:nvPr>
+        </p:nvSpPr>
+        <p:spPr>
+          <a:xfrm>
+            <a:off x="0" y="2084851"/>
+            <a:ext cx="12192000" cy="2404863"/>
+          </a:xfrm>
+        </p:spPr>
+        <p:txBody>
+          <a:bodyPr anchor="ctr">
+            <a:normAutofit/>
+          </a:bodyPr>
+          <a:lstStyle/>
+          <a:p>
+            <a:pPr algn="ctr">
+              <a:buNone/>
+            </a:pPr>
+            <a:r>
+              <a:rPr lang="zh-TW" altLang="en-US" sz="6400" b="1" dirty="0">
+                <a:solidFill>
+                  <a:srgbClr val="660033"/>
                 </a:solidFill>
                 <a:latin typeface="微軟正黑體" pitchFamily="34" charset="-120"/>
                 <a:ea typeface="微軟正黑體" pitchFamily="34" charset="-120"/>
               </a:rPr>
               <a:t>尊貴之君</a:t>
             </a:r>
-            <a:endParaRPr lang="zh-TW" altLang="en-US" b="1" dirty="0">
+            <a:r>
+              <a:rPr lang="en-US" altLang="zh-TW" sz="6400" b="1" dirty="0">
+                <a:solidFill>
+                  <a:srgbClr val="660033"/>
+                </a:solidFill>
+                <a:latin typeface="微軟正黑體" pitchFamily="34" charset="-120"/>
+                <a:ea typeface="微軟正黑體" pitchFamily="34" charset="-120"/>
+              </a:rPr>
+              <a:t>  </a:t>
+            </a:r>
+            <a:r>
+              <a:rPr lang="zh-TW" altLang="en-US" sz="6400" b="1" dirty="0">
+                <a:solidFill>
+                  <a:srgbClr val="660033"/>
+                </a:solidFill>
+                <a:latin typeface="微軟正黑體" pitchFamily="34" charset="-120"/>
+                <a:ea typeface="微軟正黑體" pitchFamily="34" charset="-120"/>
+              </a:rPr>
+              <a:t>全頌讚主恩</a:t>
+            </a:r>
+            <a:endParaRPr lang="zh-TW" altLang="en-US" sz="6400" b="1" dirty="0">
               <a:solidFill>
-                <a:srgbClr val="000066"/>
+                <a:srgbClr val="660033"/>
               </a:solidFill>
               <a:latin typeface="微軟正黑體" pitchFamily="34" charset="-120"/>
               <a:ea typeface="微軟正黑體" pitchFamily="34" charset="-120"/>
@@ -3935,89 +3965,12 @@
           </a:p>
         </p:txBody>
       </p:sp>
-      <p:sp>
-        <p:nvSpPr>
-          <p:cNvPr id="5" name="內容版面配置區 4"/>
-          <p:cNvSpPr>
-            <a:spLocks noGrp="1"/>
-          </p:cNvSpPr>
-          <p:nvPr>
-            <p:ph idx="1"/>
-          </p:nvPr>
-        </p:nvSpPr>
-        <p:spPr/>
-        <p:txBody>
-          <a:bodyPr>
-            <a:normAutofit/>
-          </a:bodyPr>
-          <a:lstStyle/>
-          <a:p>
-            <a:pPr algn="ctr">
-              <a:buNone/>
-            </a:pPr>
-            <a:r>
-              <a:rPr lang="zh-TW" altLang="en-US" sz="5400" b="1" dirty="0" smtClean="0">
-                <a:solidFill>
-                  <a:srgbClr val="000066"/>
-                </a:solidFill>
-                <a:latin typeface="微軟正黑體" pitchFamily="34" charset="-120"/>
-                <a:ea typeface="微軟正黑體" pitchFamily="34" charset="-120"/>
-              </a:rPr>
-              <a:t>尊貴之</a:t>
-            </a:r>
-            <a:r>
-              <a:rPr lang="zh-TW" altLang="en-US" sz="5400" b="1" dirty="0" smtClean="0">
-                <a:solidFill>
-                  <a:srgbClr val="000066"/>
-                </a:solidFill>
-                <a:latin typeface="微軟正黑體" pitchFamily="34" charset="-120"/>
-                <a:ea typeface="微軟正黑體" pitchFamily="34" charset="-120"/>
-              </a:rPr>
-              <a:t>君</a:t>
-            </a:r>
-            <a:endParaRPr lang="en-US" altLang="zh-TW" sz="5400" b="1" dirty="0" smtClean="0">
-              <a:solidFill>
-                <a:srgbClr val="000066"/>
-              </a:solidFill>
-              <a:latin typeface="微軟正黑體" pitchFamily="34" charset="-120"/>
-              <a:ea typeface="微軟正黑體" pitchFamily="34" charset="-120"/>
-            </a:endParaRPr>
-          </a:p>
-          <a:p>
-            <a:pPr algn="ctr">
-              <a:buNone/>
-            </a:pPr>
-            <a:r>
-              <a:rPr lang="zh-TW" altLang="en-US" sz="5400" b="1" dirty="0" smtClean="0">
-                <a:solidFill>
-                  <a:srgbClr val="000066"/>
-                </a:solidFill>
-                <a:latin typeface="微軟正黑體" pitchFamily="34" charset="-120"/>
-                <a:ea typeface="微軟正黑體" pitchFamily="34" charset="-120"/>
-              </a:rPr>
-              <a:t>全</a:t>
-            </a:r>
-            <a:r>
-              <a:rPr lang="zh-TW" altLang="en-US" sz="5400" b="1" dirty="0" smtClean="0">
-                <a:solidFill>
-                  <a:srgbClr val="000066"/>
-                </a:solidFill>
-                <a:latin typeface="微軟正黑體" pitchFamily="34" charset="-120"/>
-                <a:ea typeface="微軟正黑體" pitchFamily="34" charset="-120"/>
-              </a:rPr>
-              <a:t>頌讚主恩</a:t>
-            </a:r>
-            <a:endParaRPr lang="zh-TW" altLang="en-US" sz="5400" b="1" dirty="0">
-              <a:solidFill>
-                <a:srgbClr val="000066"/>
-              </a:solidFill>
-              <a:latin typeface="微軟正黑體" pitchFamily="34" charset="-120"/>
-              <a:ea typeface="微軟正黑體" pitchFamily="34" charset="-120"/>
-            </a:endParaRPr>
-          </a:p>
-        </p:txBody>
-      </p:sp>
     </p:spTree>
+    <p:extLst>
+      <p:ext uri="{BB962C8B-B14F-4D97-AF65-F5344CB8AC3E}">
+        <p14:creationId xmlns:p14="http://schemas.microsoft.com/office/powerpoint/2010/main" val="2958906423"/>
+      </p:ext>
+    </p:extLst>
   </p:cSld>
   <p:clrMapOvr>
     <a:masterClrMapping/>
